--- a/Thesis/images/methods/feats.pptx
+++ b/Thesis/images/methods/feats.pptx
@@ -6,6 +6,7 @@
   </p:sldMasterIdLst>
   <p:sldIdLst>
     <p:sldId id="256" r:id="rId2"/>
+    <p:sldId id="257" r:id="rId3"/>
   </p:sldIdLst>
   <p:sldSz cx="9144000" cy="6858000" type="screen4x3"/>
   <p:notesSz cx="6858000" cy="9144000"/>
@@ -104,6 +105,11 @@
       </a:defRPr>
     </a:lvl9pPr>
   </p:defaultTextStyle>
+  <p:extLst>
+    <p:ext uri="{EFAFB233-063F-42B5-8137-9DF3F51BA10A}">
+      <p15:sldGuideLst xmlns:p15="http://schemas.microsoft.com/office/powerpoint/2012/main"/>
+    </p:ext>
+  </p:extLst>
 </p:presentation>
 </file>
 
@@ -238,7 +244,7 @@
           <a:p>
             <a:fld id="{D6F401A5-01F7-4F11-B6F2-16AFE7947CF6}" type="datetimeFigureOut">
               <a:rPr lang="en-US" smtClean="0"/>
-              <a:t>2/20/2024</a:t>
+              <a:t>2/21/2024</a:t>
             </a:fld>
             <a:endParaRPr lang="en-US"/>
           </a:p>
@@ -408,7 +414,7 @@
           <a:p>
             <a:fld id="{D6F401A5-01F7-4F11-B6F2-16AFE7947CF6}" type="datetimeFigureOut">
               <a:rPr lang="en-US" smtClean="0"/>
-              <a:t>2/20/2024</a:t>
+              <a:t>2/21/2024</a:t>
             </a:fld>
             <a:endParaRPr lang="en-US"/>
           </a:p>
@@ -588,7 +594,7 @@
           <a:p>
             <a:fld id="{D6F401A5-01F7-4F11-B6F2-16AFE7947CF6}" type="datetimeFigureOut">
               <a:rPr lang="en-US" smtClean="0"/>
-              <a:t>2/20/2024</a:t>
+              <a:t>2/21/2024</a:t>
             </a:fld>
             <a:endParaRPr lang="en-US"/>
           </a:p>
@@ -758,7 +764,7 @@
           <a:p>
             <a:fld id="{D6F401A5-01F7-4F11-B6F2-16AFE7947CF6}" type="datetimeFigureOut">
               <a:rPr lang="en-US" smtClean="0"/>
-              <a:t>2/20/2024</a:t>
+              <a:t>2/21/2024</a:t>
             </a:fld>
             <a:endParaRPr lang="en-US"/>
           </a:p>
@@ -1004,7 +1010,7 @@
           <a:p>
             <a:fld id="{D6F401A5-01F7-4F11-B6F2-16AFE7947CF6}" type="datetimeFigureOut">
               <a:rPr lang="en-US" smtClean="0"/>
-              <a:t>2/20/2024</a:t>
+              <a:t>2/21/2024</a:t>
             </a:fld>
             <a:endParaRPr lang="en-US"/>
           </a:p>
@@ -1236,7 +1242,7 @@
           <a:p>
             <a:fld id="{D6F401A5-01F7-4F11-B6F2-16AFE7947CF6}" type="datetimeFigureOut">
               <a:rPr lang="en-US" smtClean="0"/>
-              <a:t>2/20/2024</a:t>
+              <a:t>2/21/2024</a:t>
             </a:fld>
             <a:endParaRPr lang="en-US"/>
           </a:p>
@@ -1603,7 +1609,7 @@
           <a:p>
             <a:fld id="{D6F401A5-01F7-4F11-B6F2-16AFE7947CF6}" type="datetimeFigureOut">
               <a:rPr lang="en-US" smtClean="0"/>
-              <a:t>2/20/2024</a:t>
+              <a:t>2/21/2024</a:t>
             </a:fld>
             <a:endParaRPr lang="en-US"/>
           </a:p>
@@ -1721,7 +1727,7 @@
           <a:p>
             <a:fld id="{D6F401A5-01F7-4F11-B6F2-16AFE7947CF6}" type="datetimeFigureOut">
               <a:rPr lang="en-US" smtClean="0"/>
-              <a:t>2/20/2024</a:t>
+              <a:t>2/21/2024</a:t>
             </a:fld>
             <a:endParaRPr lang="en-US"/>
           </a:p>
@@ -1816,7 +1822,7 @@
           <a:p>
             <a:fld id="{D6F401A5-01F7-4F11-B6F2-16AFE7947CF6}" type="datetimeFigureOut">
               <a:rPr lang="en-US" smtClean="0"/>
-              <a:t>2/20/2024</a:t>
+              <a:t>2/21/2024</a:t>
             </a:fld>
             <a:endParaRPr lang="en-US"/>
           </a:p>
@@ -2093,7 +2099,7 @@
           <a:p>
             <a:fld id="{D6F401A5-01F7-4F11-B6F2-16AFE7947CF6}" type="datetimeFigureOut">
               <a:rPr lang="en-US" smtClean="0"/>
-              <a:t>2/20/2024</a:t>
+              <a:t>2/21/2024</a:t>
             </a:fld>
             <a:endParaRPr lang="en-US"/>
           </a:p>
@@ -2350,7 +2356,7 @@
           <a:p>
             <a:fld id="{D6F401A5-01F7-4F11-B6F2-16AFE7947CF6}" type="datetimeFigureOut">
               <a:rPr lang="en-US" smtClean="0"/>
-              <a:t>2/20/2024</a:t>
+              <a:t>2/21/2024</a:t>
             </a:fld>
             <a:endParaRPr lang="en-US"/>
           </a:p>
@@ -2563,7 +2569,7 @@
           <a:p>
             <a:fld id="{D6F401A5-01F7-4F11-B6F2-16AFE7947CF6}" type="datetimeFigureOut">
               <a:rPr lang="en-US" smtClean="0"/>
-              <a:t>2/20/2024</a:t>
+              <a:t>2/21/2024</a:t>
             </a:fld>
             <a:endParaRPr lang="en-US"/>
           </a:p>
@@ -6447,6 +6453,233 @@
     <p:extLst>
       <p:ext uri="{BB962C8B-B14F-4D97-AF65-F5344CB8AC3E}">
         <p14:creationId xmlns:p14="http://schemas.microsoft.com/office/powerpoint/2010/main" val="240965772"/>
+      </p:ext>
+    </p:extLst>
+  </p:cSld>
+  <p:clrMapOvr>
+    <a:masterClrMapping/>
+  </p:clrMapOvr>
+</p:sld>
+</file>
+
+<file path=ppt/slides/slide2.xml><?xml version="1.0" encoding="utf-8"?>
+<p:sld xmlns:a="http://schemas.openxmlformats.org/drawingml/2006/main" xmlns:r="http://schemas.openxmlformats.org/officeDocument/2006/relationships" xmlns:p="http://schemas.openxmlformats.org/presentationml/2006/main">
+  <p:cSld>
+    <p:spTree>
+      <p:nvGrpSpPr>
+        <p:cNvPr id="1" name=""/>
+        <p:cNvGrpSpPr/>
+        <p:nvPr/>
+      </p:nvGrpSpPr>
+      <p:grpSpPr>
+        <a:xfrm>
+          <a:off x="0" y="0"/>
+          <a:ext cx="0" cy="0"/>
+          <a:chOff x="0" y="0"/>
+          <a:chExt cx="0" cy="0"/>
+        </a:xfrm>
+      </p:grpSpPr>
+      <p:pic>
+        <p:nvPicPr>
+          <p:cNvPr id="7" name="Picture 6" descr="A graph of a signal spectrum&#10;&#10;Description automatically generated">
+            <a:extLst>
+              <a:ext uri="{FF2B5EF4-FFF2-40B4-BE49-F238E27FC236}">
+                <a16:creationId xmlns:a16="http://schemas.microsoft.com/office/drawing/2014/main" id="{CC7D7C5B-F02F-5191-85AA-E9501A264C3B}"/>
+              </a:ext>
+            </a:extLst>
+          </p:cNvPr>
+          <p:cNvPicPr>
+            <a:picLocks noChangeAspect="1"/>
+          </p:cNvPicPr>
+          <p:nvPr/>
+        </p:nvPicPr>
+        <p:blipFill>
+          <a:blip r:embed="rId2">
+            <a:extLst>
+              <a:ext uri="{28A0092B-C50C-407E-A947-70E740481C1C}">
+                <a14:useLocalDpi xmlns:a14="http://schemas.microsoft.com/office/drawing/2010/main" val="0"/>
+              </a:ext>
+            </a:extLst>
+          </a:blip>
+          <a:stretch>
+            <a:fillRect/>
+          </a:stretch>
+        </p:blipFill>
+        <p:spPr>
+          <a:xfrm>
+            <a:off x="0" y="0"/>
+            <a:ext cx="9144000" cy="6858000"/>
+          </a:xfrm>
+          <a:prstGeom prst="rect">
+            <a:avLst/>
+          </a:prstGeom>
+        </p:spPr>
+      </p:pic>
+      <p:sp>
+        <p:nvSpPr>
+          <p:cNvPr id="4" name="TextBox 3">
+            <a:extLst>
+              <a:ext uri="{FF2B5EF4-FFF2-40B4-BE49-F238E27FC236}">
+                <a16:creationId xmlns:a16="http://schemas.microsoft.com/office/drawing/2014/main" id="{C07E487B-5054-F79A-EECB-E96179B15CFD}"/>
+              </a:ext>
+            </a:extLst>
+          </p:cNvPr>
+          <p:cNvSpPr txBox="1"/>
+          <p:nvPr/>
+        </p:nvSpPr>
+        <p:spPr>
+          <a:xfrm>
+            <a:off x="4433466" y="3259723"/>
+            <a:ext cx="3309573" cy="338554"/>
+          </a:xfrm>
+          <a:prstGeom prst="rect">
+            <a:avLst/>
+          </a:prstGeom>
+        </p:spPr>
+        <p:style>
+          <a:lnRef idx="2">
+            <a:schemeClr val="dk1"/>
+          </a:lnRef>
+          <a:fillRef idx="1">
+            <a:schemeClr val="lt1"/>
+          </a:fillRef>
+          <a:effectRef idx="0">
+            <a:schemeClr val="dk1"/>
+          </a:effectRef>
+          <a:fontRef idx="minor">
+            <a:schemeClr val="dk1"/>
+          </a:fontRef>
+        </p:style>
+        <p:txBody>
+          <a:bodyPr wrap="square" rtlCol="0">
+            <a:spAutoFit/>
+          </a:bodyPr>
+          <a:lstStyle/>
+          <a:p>
+            <a:r>
+              <a:rPr lang="en-US" sz="1600" dirty="0" err="1"/>
+              <a:t>mean_frequency</a:t>
+            </a:r>
+            <a:r>
+              <a:rPr lang="en-US" sz="1600" dirty="0"/>
+              <a:t> = avg(frequencies)</a:t>
+            </a:r>
+          </a:p>
+        </p:txBody>
+      </p:sp>
+      <p:sp>
+        <p:nvSpPr>
+          <p:cNvPr id="5" name="TextBox 4">
+            <a:extLst>
+              <a:ext uri="{FF2B5EF4-FFF2-40B4-BE49-F238E27FC236}">
+                <a16:creationId xmlns:a16="http://schemas.microsoft.com/office/drawing/2014/main" id="{E8F30DE0-0C95-0041-8965-BFD2CF36D6C8}"/>
+              </a:ext>
+            </a:extLst>
+          </p:cNvPr>
+          <p:cNvSpPr txBox="1"/>
+          <p:nvPr/>
+        </p:nvSpPr>
+        <p:spPr>
+          <a:xfrm>
+            <a:off x="4752249" y="1051002"/>
+            <a:ext cx="2990790" cy="338554"/>
+          </a:xfrm>
+          <a:prstGeom prst="rect">
+            <a:avLst/>
+          </a:prstGeom>
+        </p:spPr>
+        <p:style>
+          <a:lnRef idx="2">
+            <a:schemeClr val="dk1"/>
+          </a:lnRef>
+          <a:fillRef idx="1">
+            <a:schemeClr val="lt1"/>
+          </a:fillRef>
+          <a:effectRef idx="0">
+            <a:schemeClr val="dk1"/>
+          </a:effectRef>
+          <a:fontRef idx="minor">
+            <a:schemeClr val="dk1"/>
+          </a:fontRef>
+        </p:style>
+        <p:txBody>
+          <a:bodyPr wrap="square" rtlCol="0">
+            <a:spAutoFit/>
+          </a:bodyPr>
+          <a:lstStyle/>
+          <a:p>
+            <a:r>
+              <a:rPr lang="en-US" sz="1600" dirty="0" err="1"/>
+              <a:t>total_power</a:t>
+            </a:r>
+            <a:r>
+              <a:rPr lang="en-US" sz="1600" dirty="0"/>
+              <a:t> = sum(magnitudes)</a:t>
+            </a:r>
+          </a:p>
+        </p:txBody>
+      </p:sp>
+      <p:sp>
+        <p:nvSpPr>
+          <p:cNvPr id="6" name="TextBox 5">
+            <a:extLst>
+              <a:ext uri="{FF2B5EF4-FFF2-40B4-BE49-F238E27FC236}">
+                <a16:creationId xmlns:a16="http://schemas.microsoft.com/office/drawing/2014/main" id="{3DBB8CB7-8856-D951-3F1D-6D858CEAD26E}"/>
+              </a:ext>
+            </a:extLst>
+          </p:cNvPr>
+          <p:cNvSpPr txBox="1"/>
+          <p:nvPr/>
+        </p:nvSpPr>
+        <p:spPr>
+          <a:xfrm>
+            <a:off x="2298583" y="2155362"/>
+            <a:ext cx="5444456" cy="338554"/>
+          </a:xfrm>
+          <a:prstGeom prst="rect">
+            <a:avLst/>
+          </a:prstGeom>
+        </p:spPr>
+        <p:style>
+          <a:lnRef idx="2">
+            <a:schemeClr val="dk1"/>
+          </a:lnRef>
+          <a:fillRef idx="1">
+            <a:schemeClr val="lt1"/>
+          </a:fillRef>
+          <a:effectRef idx="0">
+            <a:schemeClr val="dk1"/>
+          </a:effectRef>
+          <a:fontRef idx="minor">
+            <a:schemeClr val="dk1"/>
+          </a:fontRef>
+        </p:style>
+        <p:txBody>
+          <a:bodyPr wrap="square" rtlCol="0">
+            <a:spAutoFit/>
+          </a:bodyPr>
+          <a:lstStyle/>
+          <a:p>
+            <a:r>
+              <a:rPr lang="en-US" sz="1600" dirty="0" err="1"/>
+              <a:t>normalized_power_at_peak</a:t>
+            </a:r>
+            <a:r>
+              <a:rPr lang="en-US" sz="1600" dirty="0"/>
+              <a:t> = max(magnitude) / </a:t>
+            </a:r>
+            <a:r>
+              <a:rPr lang="en-US" sz="1600" dirty="0" err="1"/>
+              <a:t>total_power</a:t>
+            </a:r>
+            <a:endParaRPr lang="en-US" sz="1600" dirty="0"/>
+          </a:p>
+        </p:txBody>
+      </p:sp>
+    </p:spTree>
+    <p:extLst>
+      <p:ext uri="{BB962C8B-B14F-4D97-AF65-F5344CB8AC3E}">
+        <p14:creationId xmlns:p14="http://schemas.microsoft.com/office/powerpoint/2010/main" val="2420009115"/>
       </p:ext>
     </p:extLst>
   </p:cSld>
